--- a/stats/the-normal-distribution.pptx
+++ b/stats/the-normal-distribution.pptx
@@ -17643,8 +17643,8 @@
             </a:p>
           </p:txBody>
         </p:sp>
-        <mc:AlternateContent xmlns:mc="http://schemas.openxmlformats.org/markup-compatibility/2006">
-          <mc:Choice xmlns:a14="http://schemas.microsoft.com/office/drawing/2010/main" Requires="a14">
+        <mc:AlternateContent xmlns:mc="http://schemas.openxmlformats.org/markup-compatibility/2006" xmlns:a14="http://schemas.microsoft.com/office/drawing/2010/main">
+          <mc:Choice Requires="a14">
             <p:sp>
               <p:nvSpPr>
                 <p:cNvPr id="19" name="Text Placeholder 2">
@@ -17961,25 +17961,7 @@
                                 </a:solidFill>
                                 <a:latin typeface="Cambria Math" panose="02040503050406030204" pitchFamily="18" charset="0"/>
                               </a:rPr>
-                              <m:t>5</m:t>
-                            </m:r>
-                            <m:r>
-                              <a:rPr lang="en-US" sz="2000" b="0" i="1" dirty="0" smtClean="0">
-                                <a:solidFill>
-                                  <a:schemeClr val="bg1"/>
-                                </a:solidFill>
-                                <a:latin typeface="Cambria Math" panose="02040503050406030204" pitchFamily="18" charset="0"/>
-                              </a:rPr>
-                              <m:t>9</m:t>
-                            </m:r>
-                            <m:r>
-                              <a:rPr lang="en-US" sz="2000" b="0" i="1" dirty="0" smtClean="0">
-                                <a:solidFill>
-                                  <a:schemeClr val="bg1"/>
-                                </a:solidFill>
-                                <a:latin typeface="Cambria Math" panose="02040503050406030204" pitchFamily="18" charset="0"/>
-                              </a:rPr>
-                              <m:t>≤</m:t>
+                              <m:t>59≤</m:t>
                             </m:r>
                             <m:r>
                               <a:rPr lang="en-US" sz="2000" b="0" i="1" dirty="0" smtClean="0">
@@ -18129,7 +18111,7 @@
               </p:txBody>
             </p:sp>
           </mc:Choice>
-          <mc:Fallback>
+          <mc:Fallback xmlns="">
             <p:sp>
               <p:nvSpPr>
                 <p:cNvPr id="19" name="Text Placeholder 2">
@@ -25331,7 +25313,7 @@
                     <a:schemeClr val="bg1"/>
                   </a:solidFill>
                 </a:rPr>
-                <a:t>0.5%</a:t>
+                <a:t>0.15%</a:t>
               </a:r>
             </a:p>
           </p:txBody>
